--- a/Documentazione/Draft Presentazione.pptx
+++ b/Documentazione/Draft Presentazione.pptx
@@ -6160,7 +6160,7 @@
             <a:pPr rtl="0"/>
             <a:fld id="{DBC54730-5EBA-4920-A6C4-7F8458A7F940}" type="datetime1">
               <a:rPr lang="it-IT" smtClean="0"/>
-              <a:t>04/03/23</a:t>
+              <a:t>05/03/23</a:t>
             </a:fld>
             <a:endParaRPr lang="it-IT"/>
           </a:p>
@@ -6342,7 +6342,7 @@
             <a:fld id="{85EC1C34-318D-43A8-83F5-3AC8647FE75E}" type="datetime1">
               <a:rPr lang="it-IT" smtClean="0"/>
               <a:pPr/>
-              <a:t>04/03/23</a:t>
+              <a:t>05/03/23</a:t>
             </a:fld>
             <a:endParaRPr lang="it-IT" dirty="0"/>
           </a:p>
@@ -23041,26 +23041,14 @@
           </a:p>
           <a:p>
             <a:r>
-              <a:rPr lang="it-IT" sz="2000" i="1" dirty="0">
+              <a:rPr lang="it-IT" sz="2000" dirty="0">
                 <a:solidFill>
                   <a:schemeClr val="bg1"/>
                 </a:solidFill>
-                <a:highlight>
-                  <a:srgbClr val="FF0000"/>
-                </a:highlight>
                 <a:latin typeface="+mj-lt"/>
               </a:rPr>
-              <a:t>Quali risultati avete ottenuto con l’attività di testing</a:t>
-            </a:r>
-          </a:p>
-          <a:p>
-            <a:pPr lvl="1"/>
-            <a:endParaRPr lang="en-US" sz="2000" dirty="0">
-              <a:solidFill>
-                <a:schemeClr val="bg1"/>
-              </a:solidFill>
-              <a:latin typeface="+mj-lt"/>
-            </a:endParaRPr>
+              <a:t>Tutti i test eseguiti sono stati completati con successo.</a:t>
+            </a:r>
           </a:p>
         </p:txBody>
       </p:sp>
@@ -32283,31 +32271,8 @@
                 <a:effectLst/>
                 <a:latin typeface="+mj-lt"/>
               </a:rPr>
-              <a:t>-Controller): questo pattern prevede la suddivisione dell'applicazione in tre componenti principali: il modello (transazioni), la vista (l'interfaccia utente) e il controller (gestione accessi).</a:t>
-            </a:r>
-          </a:p>
-          <a:p>
-            <a:r>
-              <a:rPr lang="it-IT" sz="1600" dirty="0">
-                <a:solidFill>
-                  <a:schemeClr val="bg1"/>
-                </a:solidFill>
-                <a:highlight>
-                  <a:srgbClr val="FF0000"/>
-                </a:highlight>
-                <a:latin typeface="+mj-lt"/>
-              </a:rPr>
-              <a:t>Metriche di qualità del progetto</a:t>
-            </a:r>
-            <a:endParaRPr lang="en-US" sz="1600" dirty="0">
-              <a:solidFill>
-                <a:schemeClr val="bg1"/>
-              </a:solidFill>
-              <a:highlight>
-                <a:srgbClr val="FF0000"/>
-              </a:highlight>
-              <a:latin typeface="+mj-lt"/>
-            </a:endParaRPr>
+              <a:t>-Controller): questo pattern prevede la suddivisione dell'applicazione in tre componenti principali: il modello (transazioni), la vista (l'interfaccia utente) e il controller (gestione accessi)</a:t>
+            </a:r>
           </a:p>
         </p:txBody>
       </p:sp>
@@ -33281,12 +33246,6 @@
 </file>
 
 <file path=customXml/item2.xml><?xml version="1.0" encoding="utf-8"?>
-<p:properties xmlns:p="http://schemas.microsoft.com/office/2006/metadata/properties" xmlns:xsi="http://www.w3.org/2001/XMLSchema-instance" xmlns:pc="http://schemas.microsoft.com/office/infopath/2007/PartnerControls">
-  <documentManagement/>
-</p:properties>
-</file>
-
-<file path=customXml/item3.xml><?xml version="1.0" encoding="utf-8"?>
 <ct:contentTypeSchema xmlns:ct="http://schemas.microsoft.com/office/2006/metadata/contentType" xmlns:ma="http://schemas.microsoft.com/office/2006/metadata/properties/metaAttributes" ct:_="" ma:_="" ma:contentTypeName="Document" ma:contentTypeID="0x0101007CE6213B20D2F945B0D1473923EE410F" ma:contentTypeVersion="2" ma:contentTypeDescription="Create a new document." ma:contentTypeScope="" ma:versionID="963b551035620719b8f3474cce5fb31a">
   <xsd:schema xmlns:xsd="http://www.w3.org/2001/XMLSchema" xmlns:xs="http://www.w3.org/2001/XMLSchema" xmlns:p="http://schemas.microsoft.com/office/2006/metadata/properties" xmlns:ns2="243f3390-b919-40e8-8195-3613e8527352" targetNamespace="http://schemas.microsoft.com/office/2006/metadata/properties" ma:root="true" ma:fieldsID="971d11869db15432968220eee34427be" ns2:_="">
     <xsd:import namespace="243f3390-b919-40e8-8195-3613e8527352"/>
@@ -33418,6 +33377,12 @@
 </ct:contentTypeSchema>
 </file>
 
+<file path=customXml/item3.xml><?xml version="1.0" encoding="utf-8"?>
+<p:properties xmlns:p="http://schemas.microsoft.com/office/2006/metadata/properties" xmlns:xsi="http://www.w3.org/2001/XMLSchema-instance" xmlns:pc="http://schemas.microsoft.com/office/infopath/2007/PartnerControls">
+  <documentManagement/>
+</p:properties>
+</file>
+
 <file path=customXml/itemProps1.xml><?xml version="1.0" encoding="utf-8"?>
 <ds:datastoreItem xmlns:ds="http://schemas.openxmlformats.org/officeDocument/2006/customXml" ds:itemID="{42BC90D6-94CF-42F7-AAC4-9CF6824C54D5}">
   <ds:schemaRefs>
@@ -33427,19 +33392,6 @@
 </file>
 
 <file path=customXml/itemProps2.xml><?xml version="1.0" encoding="utf-8"?>
-<ds:datastoreItem xmlns:ds="http://schemas.openxmlformats.org/officeDocument/2006/customXml" ds:itemID="{7F97B18F-50BC-4F30-8373-93489E845F83}">
-  <ds:schemaRefs>
-    <ds:schemaRef ds:uri="http://schemas.microsoft.com/office/2006/metadata/properties"/>
-    <ds:schemaRef ds:uri="http://schemas.microsoft.com/office/infopath/2007/PartnerControls"/>
-    <ds:schemaRef ds:uri="http://schemas.microsoft.com/sharepoint/v3"/>
-    <ds:schemaRef ds:uri="71af3243-3dd4-4a8d-8c0d-dd76da1f02a5"/>
-    <ds:schemaRef ds:uri="230e9df3-be65-4c73-a93b-d1236ebd677e"/>
-    <ds:schemaRef ds:uri="36d25196-f32b-43e1-8250-558e57115123"/>
-  </ds:schemaRefs>
-</ds:datastoreItem>
-</file>
-
-<file path=customXml/itemProps3.xml><?xml version="1.0" encoding="utf-8"?>
 <ds:datastoreItem xmlns:ds="http://schemas.openxmlformats.org/officeDocument/2006/customXml" ds:itemID="{5447DC1D-891A-48C1-9D1C-27E764B312DE}">
   <ds:schemaRefs>
     <ds:schemaRef ds:uri="http://schemas.microsoft.com/office/2006/metadata/contentType"/>
@@ -33457,6 +33409,19 @@
 </ds:datastoreItem>
 </file>
 
+<file path=customXml/itemProps3.xml><?xml version="1.0" encoding="utf-8"?>
+<ds:datastoreItem xmlns:ds="http://schemas.openxmlformats.org/officeDocument/2006/customXml" ds:itemID="{7F97B18F-50BC-4F30-8373-93489E845F83}">
+  <ds:schemaRefs>
+    <ds:schemaRef ds:uri="http://schemas.microsoft.com/office/2006/metadata/properties"/>
+    <ds:schemaRef ds:uri="http://schemas.microsoft.com/office/infopath/2007/PartnerControls"/>
+    <ds:schemaRef ds:uri="http://schemas.microsoft.com/sharepoint/v3"/>
+    <ds:schemaRef ds:uri="71af3243-3dd4-4a8d-8c0d-dd76da1f02a5"/>
+    <ds:schemaRef ds:uri="230e9df3-be65-4c73-a93b-d1236ebd677e"/>
+    <ds:schemaRef ds:uri="36d25196-f32b-43e1-8250-558e57115123"/>
+  </ds:schemaRefs>
+</ds:datastoreItem>
+</file>
+
 <file path=docMetadata/LabelInfo.xml><?xml version="1.0" encoding="utf-8"?>
 <clbl:labelList xmlns:clbl="http://schemas.microsoft.com/office/2020/mipLabelMetadata">
   <clbl:label id="{f42aa342-8706-4288-bd11-ebb85995028c}" enabled="1" method="Standard" siteId="{72f988bf-86f1-41af-91ab-2d7cd011db47}" removed="0"/>
